--- a/src/results.pptx
+++ b/src/results.pptx
@@ -6,6 +6,7 @@
   </p:sldMasterIdLst>
   <p:sldIdLst>
     <p:sldId id="256" r:id="rId2"/>
+    <p:sldId id="257" r:id="rId3"/>
   </p:sldIdLst>
   <p:sldSz cx="12192000" cy="6858000"/>
   <p:notesSz cx="6858000" cy="9144000"/>
@@ -104,6 +105,11 @@
       </a:defRPr>
     </a:lvl9pPr>
   </p:defaultTextStyle>
+  <p:extLst>
+    <p:ext uri="{EFAFB233-063F-42B5-8137-9DF3F51BA10A}">
+      <p15:sldGuideLst xmlns:p15="http://schemas.microsoft.com/office/powerpoint/2012/main"/>
+    </p:ext>
+  </p:extLst>
 </p:presentation>
 </file>
 
@@ -258,7 +264,7 @@
           <a:p>
             <a:fld id="{FC651705-9AC5-4ACC-85F5-3EE35D2A53A1}" type="datetimeFigureOut">
               <a:rPr lang="en-US" smtClean="0"/>
-              <a:t>1/6/2018</a:t>
+              <a:t>06-Jan-18</a:t>
             </a:fld>
             <a:endParaRPr lang="en-US"/>
           </a:p>
@@ -456,7 +462,7 @@
           <a:p>
             <a:fld id="{FC651705-9AC5-4ACC-85F5-3EE35D2A53A1}" type="datetimeFigureOut">
               <a:rPr lang="en-US" smtClean="0"/>
-              <a:t>1/6/2018</a:t>
+              <a:t>06-Jan-18</a:t>
             </a:fld>
             <a:endParaRPr lang="en-US"/>
           </a:p>
@@ -664,7 +670,7 @@
           <a:p>
             <a:fld id="{FC651705-9AC5-4ACC-85F5-3EE35D2A53A1}" type="datetimeFigureOut">
               <a:rPr lang="en-US" smtClean="0"/>
-              <a:t>1/6/2018</a:t>
+              <a:t>06-Jan-18</a:t>
             </a:fld>
             <a:endParaRPr lang="en-US"/>
           </a:p>
@@ -862,7 +868,7 @@
           <a:p>
             <a:fld id="{FC651705-9AC5-4ACC-85F5-3EE35D2A53A1}" type="datetimeFigureOut">
               <a:rPr lang="en-US" smtClean="0"/>
-              <a:t>1/6/2018</a:t>
+              <a:t>06-Jan-18</a:t>
             </a:fld>
             <a:endParaRPr lang="en-US"/>
           </a:p>
@@ -1137,7 +1143,7 @@
           <a:p>
             <a:fld id="{FC651705-9AC5-4ACC-85F5-3EE35D2A53A1}" type="datetimeFigureOut">
               <a:rPr lang="en-US" smtClean="0"/>
-              <a:t>1/6/2018</a:t>
+              <a:t>06-Jan-18</a:t>
             </a:fld>
             <a:endParaRPr lang="en-US"/>
           </a:p>
@@ -1402,7 +1408,7 @@
           <a:p>
             <a:fld id="{FC651705-9AC5-4ACC-85F5-3EE35D2A53A1}" type="datetimeFigureOut">
               <a:rPr lang="en-US" smtClean="0"/>
-              <a:t>1/6/2018</a:t>
+              <a:t>06-Jan-18</a:t>
             </a:fld>
             <a:endParaRPr lang="en-US"/>
           </a:p>
@@ -1814,7 +1820,7 @@
           <a:p>
             <a:fld id="{FC651705-9AC5-4ACC-85F5-3EE35D2A53A1}" type="datetimeFigureOut">
               <a:rPr lang="en-US" smtClean="0"/>
-              <a:t>1/6/2018</a:t>
+              <a:t>06-Jan-18</a:t>
             </a:fld>
             <a:endParaRPr lang="en-US"/>
           </a:p>
@@ -1955,7 +1961,7 @@
           <a:p>
             <a:fld id="{FC651705-9AC5-4ACC-85F5-3EE35D2A53A1}" type="datetimeFigureOut">
               <a:rPr lang="en-US" smtClean="0"/>
-              <a:t>1/6/2018</a:t>
+              <a:t>06-Jan-18</a:t>
             </a:fld>
             <a:endParaRPr lang="en-US"/>
           </a:p>
@@ -2068,7 +2074,7 @@
           <a:p>
             <a:fld id="{FC651705-9AC5-4ACC-85F5-3EE35D2A53A1}" type="datetimeFigureOut">
               <a:rPr lang="en-US" smtClean="0"/>
-              <a:t>1/6/2018</a:t>
+              <a:t>06-Jan-18</a:t>
             </a:fld>
             <a:endParaRPr lang="en-US"/>
           </a:p>
@@ -2379,7 +2385,7 @@
           <a:p>
             <a:fld id="{FC651705-9AC5-4ACC-85F5-3EE35D2A53A1}" type="datetimeFigureOut">
               <a:rPr lang="en-US" smtClean="0"/>
-              <a:t>1/6/2018</a:t>
+              <a:t>06-Jan-18</a:t>
             </a:fld>
             <a:endParaRPr lang="en-US"/>
           </a:p>
@@ -2667,7 +2673,7 @@
           <a:p>
             <a:fld id="{FC651705-9AC5-4ACC-85F5-3EE35D2A53A1}" type="datetimeFigureOut">
               <a:rPr lang="en-US" smtClean="0"/>
-              <a:t>1/6/2018</a:t>
+              <a:t>06-Jan-18</a:t>
             </a:fld>
             <a:endParaRPr lang="en-US"/>
           </a:p>
@@ -2908,7 +2914,7 @@
           <a:p>
             <a:fld id="{FC651705-9AC5-4ACC-85F5-3EE35D2A53A1}" type="datetimeFigureOut">
               <a:rPr lang="en-US" smtClean="0"/>
-              <a:t>1/6/2018</a:t>
+              <a:t>06-Jan-18</a:t>
             </a:fld>
             <a:endParaRPr lang="en-US"/>
           </a:p>
@@ -3878,6 +3884,252 @@
 </p:sld>
 </file>
 
+<file path=ppt/slides/slide2.xml><?xml version="1.0" encoding="utf-8"?>
+<p:sld xmlns:a="http://schemas.openxmlformats.org/drawingml/2006/main" xmlns:r="http://schemas.openxmlformats.org/officeDocument/2006/relationships" xmlns:p="http://schemas.openxmlformats.org/presentationml/2006/main">
+  <p:cSld>
+    <p:spTree>
+      <p:nvGrpSpPr>
+        <p:cNvPr id="1" name=""/>
+        <p:cNvGrpSpPr/>
+        <p:nvPr/>
+      </p:nvGrpSpPr>
+      <p:grpSpPr>
+        <a:xfrm>
+          <a:off x="0" y="0"/>
+          <a:ext cx="0" cy="0"/>
+          <a:chOff x="0" y="0"/>
+          <a:chExt cx="0" cy="0"/>
+        </a:xfrm>
+      </p:grpSpPr>
+      <p:sp>
+        <p:nvSpPr>
+          <p:cNvPr id="4" name="TextBox 3">
+            <a:extLst>
+              <a:ext uri="{FF2B5EF4-FFF2-40B4-BE49-F238E27FC236}">
+                <a16:creationId xmlns:a16="http://schemas.microsoft.com/office/drawing/2014/main" id="{5E80A231-70F0-415C-9800-576EEC3903F2}"/>
+              </a:ext>
+            </a:extLst>
+          </p:cNvPr>
+          <p:cNvSpPr txBox="1"/>
+          <p:nvPr/>
+        </p:nvSpPr>
+        <p:spPr>
+          <a:xfrm>
+            <a:off x="2259875" y="163290"/>
+            <a:ext cx="2508068" cy="369332"/>
+          </a:xfrm>
+          <a:prstGeom prst="rect">
+            <a:avLst/>
+          </a:prstGeom>
+          <a:noFill/>
+        </p:spPr>
+        <p:txBody>
+          <a:bodyPr wrap="square" rtlCol="0">
+            <a:spAutoFit/>
+          </a:bodyPr>
+          <a:lstStyle/>
+          <a:p>
+            <a:pPr algn="ctr"/>
+            <a:r>
+              <a:rPr lang="en-US" dirty="0"/>
+              <a:t>Squeaky wheel</a:t>
+            </a:r>
+          </a:p>
+        </p:txBody>
+      </p:sp>
+      <p:sp>
+        <p:nvSpPr>
+          <p:cNvPr id="5" name="TextBox 4">
+            <a:extLst>
+              <a:ext uri="{FF2B5EF4-FFF2-40B4-BE49-F238E27FC236}">
+                <a16:creationId xmlns:a16="http://schemas.microsoft.com/office/drawing/2014/main" id="{76ECF791-0C12-4558-B6CE-785BC95C248C}"/>
+              </a:ext>
+            </a:extLst>
+          </p:cNvPr>
+          <p:cNvSpPr txBox="1"/>
+          <p:nvPr/>
+        </p:nvSpPr>
+        <p:spPr>
+          <a:xfrm>
+            <a:off x="4728755" y="163290"/>
+            <a:ext cx="2508068" cy="369332"/>
+          </a:xfrm>
+          <a:prstGeom prst="rect">
+            <a:avLst/>
+          </a:prstGeom>
+          <a:noFill/>
+        </p:spPr>
+        <p:txBody>
+          <a:bodyPr wrap="square" rtlCol="0">
+            <a:spAutoFit/>
+          </a:bodyPr>
+          <a:lstStyle/>
+          <a:p>
+            <a:pPr algn="ctr"/>
+            <a:r>
+              <a:rPr lang="en-US" dirty="0"/>
+              <a:t>Expand Access</a:t>
+            </a:r>
+          </a:p>
+        </p:txBody>
+      </p:sp>
+      <p:sp>
+        <p:nvSpPr>
+          <p:cNvPr id="6" name="TextBox 5">
+            <a:extLst>
+              <a:ext uri="{FF2B5EF4-FFF2-40B4-BE49-F238E27FC236}">
+                <a16:creationId xmlns:a16="http://schemas.microsoft.com/office/drawing/2014/main" id="{31FD91F4-2418-4B53-8CA2-3E3B0771E226}"/>
+              </a:ext>
+            </a:extLst>
+          </p:cNvPr>
+          <p:cNvSpPr txBox="1"/>
+          <p:nvPr/>
+        </p:nvSpPr>
+        <p:spPr>
+          <a:xfrm>
+            <a:off x="7059856" y="160335"/>
+            <a:ext cx="2508068" cy="369332"/>
+          </a:xfrm>
+          <a:prstGeom prst="rect">
+            <a:avLst/>
+          </a:prstGeom>
+          <a:noFill/>
+        </p:spPr>
+        <p:txBody>
+          <a:bodyPr wrap="square" rtlCol="0">
+            <a:spAutoFit/>
+          </a:bodyPr>
+          <a:lstStyle/>
+          <a:p>
+            <a:pPr algn="ctr"/>
+            <a:r>
+              <a:rPr lang="en-US" dirty="0"/>
+              <a:t>Repair first</a:t>
+            </a:r>
+          </a:p>
+        </p:txBody>
+      </p:sp>
+      <p:sp>
+        <p:nvSpPr>
+          <p:cNvPr id="7" name="TextBox 6">
+            <a:extLst>
+              <a:ext uri="{FF2B5EF4-FFF2-40B4-BE49-F238E27FC236}">
+                <a16:creationId xmlns:a16="http://schemas.microsoft.com/office/drawing/2014/main" id="{B90AE95C-F670-420B-9E80-38512AEAC04B}"/>
+              </a:ext>
+            </a:extLst>
+          </p:cNvPr>
+          <p:cNvSpPr txBox="1"/>
+          <p:nvPr/>
+        </p:nvSpPr>
+        <p:spPr>
+          <a:xfrm rot="16200000">
+            <a:off x="1281367" y="3362515"/>
+            <a:ext cx="1667300" cy="369332"/>
+          </a:xfrm>
+          <a:prstGeom prst="rect">
+            <a:avLst/>
+          </a:prstGeom>
+          <a:noFill/>
+        </p:spPr>
+        <p:txBody>
+          <a:bodyPr wrap="square" rtlCol="0">
+            <a:spAutoFit/>
+          </a:bodyPr>
+          <a:lstStyle/>
+          <a:p>
+            <a:pPr algn="ctr"/>
+            <a:r>
+              <a:rPr lang="en-US" dirty="0"/>
+              <a:t>Disease 10%</a:t>
+            </a:r>
+          </a:p>
+        </p:txBody>
+      </p:sp>
+      <p:sp>
+        <p:nvSpPr>
+          <p:cNvPr id="8" name="TextBox 7">
+            <a:extLst>
+              <a:ext uri="{FF2B5EF4-FFF2-40B4-BE49-F238E27FC236}">
+                <a16:creationId xmlns:a16="http://schemas.microsoft.com/office/drawing/2014/main" id="{F54474E2-FFCF-44A7-BC54-4CC8207E1619}"/>
+              </a:ext>
+            </a:extLst>
+          </p:cNvPr>
+          <p:cNvSpPr txBox="1"/>
+          <p:nvPr/>
+        </p:nvSpPr>
+        <p:spPr>
+          <a:xfrm rot="16200000">
+            <a:off x="1277791" y="5311641"/>
+            <a:ext cx="1667300" cy="369332"/>
+          </a:xfrm>
+          <a:prstGeom prst="rect">
+            <a:avLst/>
+          </a:prstGeom>
+          <a:noFill/>
+        </p:spPr>
+        <p:txBody>
+          <a:bodyPr wrap="square" rtlCol="0">
+            <a:spAutoFit/>
+          </a:bodyPr>
+          <a:lstStyle/>
+          <a:p>
+            <a:pPr algn="ctr"/>
+            <a:r>
+              <a:rPr lang="en-US" dirty="0"/>
+              <a:t>Disease 50%</a:t>
+            </a:r>
+          </a:p>
+        </p:txBody>
+      </p:sp>
+      <p:sp>
+        <p:nvSpPr>
+          <p:cNvPr id="9" name="TextBox 8">
+            <a:extLst>
+              <a:ext uri="{FF2B5EF4-FFF2-40B4-BE49-F238E27FC236}">
+                <a16:creationId xmlns:a16="http://schemas.microsoft.com/office/drawing/2014/main" id="{F6A08CF9-AD48-49C3-94B8-A668E0255351}"/>
+              </a:ext>
+            </a:extLst>
+          </p:cNvPr>
+          <p:cNvSpPr txBox="1"/>
+          <p:nvPr/>
+        </p:nvSpPr>
+        <p:spPr>
+          <a:xfrm rot="16200000">
+            <a:off x="1277791" y="1321137"/>
+            <a:ext cx="1667300" cy="369332"/>
+          </a:xfrm>
+          <a:prstGeom prst="rect">
+            <a:avLst/>
+          </a:prstGeom>
+          <a:noFill/>
+        </p:spPr>
+        <p:txBody>
+          <a:bodyPr wrap="square" rtlCol="0">
+            <a:spAutoFit/>
+          </a:bodyPr>
+          <a:lstStyle/>
+          <a:p>
+            <a:pPr algn="ctr"/>
+            <a:r>
+              <a:rPr lang="en-US" dirty="0"/>
+              <a:t>Baseline</a:t>
+            </a:r>
+          </a:p>
+        </p:txBody>
+      </p:sp>
+    </p:spTree>
+    <p:extLst>
+      <p:ext uri="{BB962C8B-B14F-4D97-AF65-F5344CB8AC3E}">
+        <p14:creationId xmlns:p14="http://schemas.microsoft.com/office/powerpoint/2010/main" val="968390973"/>
+      </p:ext>
+    </p:extLst>
+  </p:cSld>
+  <p:clrMapOvr>
+    <a:masterClrMapping/>
+  </p:clrMapOvr>
+</p:sld>
+</file>
+
 <file path=ppt/theme/theme1.xml><?xml version="1.0" encoding="utf-8"?>
 <a:theme xmlns:a="http://schemas.openxmlformats.org/drawingml/2006/main" name="Office Theme">
   <a:themeElements>
